--- a/Jaguars_Project_PPT.pptx
+++ b/Jaguars_Project_PPT.pptx
@@ -4,15 +4,18 @@
   <p:sldMasterIdLst>
     <p:sldMasterId id="2147483648" r:id="rId1"/>
   </p:sldMasterIdLst>
+  <p:notesMasterIdLst>
+    <p:notesMasterId r:id="rId10"/>
+  </p:notesMasterIdLst>
   <p:sldIdLst>
     <p:sldId id="256" r:id="rId2"/>
     <p:sldId id="257" r:id="rId3"/>
     <p:sldId id="258" r:id="rId4"/>
-    <p:sldId id="259" r:id="rId5"/>
-    <p:sldId id="260" r:id="rId6"/>
-    <p:sldId id="261" r:id="rId7"/>
-    <p:sldId id="262" r:id="rId8"/>
-    <p:sldId id="263" r:id="rId9"/>
+    <p:sldId id="262" r:id="rId5"/>
+    <p:sldId id="263" r:id="rId6"/>
+    <p:sldId id="264" r:id="rId7"/>
+    <p:sldId id="265" r:id="rId8"/>
+    <p:sldId id="266" r:id="rId9"/>
   </p:sldIdLst>
   <p:sldSz cx="12192000" cy="6858000"/>
   <p:notesSz cx="6858000" cy="9144000"/>
@@ -111,7 +114,969 @@
       </a:defRPr>
     </a:lvl9pPr>
   </p:defaultTextStyle>
+  <p:extLst>
+    <p:ext uri="{EFAFB233-063F-42B5-8137-9DF3F51BA10A}">
+      <p15:sldGuideLst xmlns:p15="http://schemas.microsoft.com/office/powerpoint/2012/main"/>
+    </p:ext>
+  </p:extLst>
 </p:presentation>
+</file>
+
+<file path=ppt/notesMasters/notesMaster1.xml><?xml version="1.0" encoding="utf-8"?>
+<p:notesMaster xmlns:a="http://schemas.openxmlformats.org/drawingml/2006/main" xmlns:r="http://schemas.openxmlformats.org/officeDocument/2006/relationships" xmlns:p="http://schemas.openxmlformats.org/presentationml/2006/main">
+  <p:cSld>
+    <p:bg>
+      <p:bgRef idx="1001">
+        <a:schemeClr val="bg1"/>
+      </p:bgRef>
+    </p:bg>
+    <p:spTree>
+      <p:nvGrpSpPr>
+        <p:cNvPr id="1" name=""/>
+        <p:cNvGrpSpPr/>
+        <p:nvPr/>
+      </p:nvGrpSpPr>
+      <p:grpSpPr>
+        <a:xfrm>
+          <a:off x="0" y="0"/>
+          <a:ext cx="0" cy="0"/>
+          <a:chOff x="0" y="0"/>
+          <a:chExt cx="0" cy="0"/>
+        </a:xfrm>
+      </p:grpSpPr>
+      <p:sp>
+        <p:nvSpPr>
+          <p:cNvPr id="2" name="Header Placeholder 1"/>
+          <p:cNvSpPr>
+            <a:spLocks noGrp="1"/>
+          </p:cNvSpPr>
+          <p:nvPr>
+            <p:ph type="hdr" sz="quarter"/>
+          </p:nvPr>
+        </p:nvSpPr>
+        <p:spPr>
+          <a:xfrm>
+            <a:off x="0" y="0"/>
+            <a:ext cx="2971800" cy="458788"/>
+          </a:xfrm>
+          <a:prstGeom prst="rect">
+            <a:avLst/>
+          </a:prstGeom>
+        </p:spPr>
+        <p:txBody>
+          <a:bodyPr vert="horz" lIns="91440" tIns="45720" rIns="91440" bIns="45720" rtlCol="0"/>
+          <a:lstStyle>
+            <a:lvl1pPr algn="l">
+              <a:defRPr sz="1200"/>
+            </a:lvl1pPr>
+          </a:lstStyle>
+          <a:p>
+            <a:endParaRPr lang="en-US"/>
+          </a:p>
+        </p:txBody>
+      </p:sp>
+      <p:sp>
+        <p:nvSpPr>
+          <p:cNvPr id="3" name="Date Placeholder 2"/>
+          <p:cNvSpPr>
+            <a:spLocks noGrp="1"/>
+          </p:cNvSpPr>
+          <p:nvPr>
+            <p:ph type="dt" idx="1"/>
+          </p:nvPr>
+        </p:nvSpPr>
+        <p:spPr>
+          <a:xfrm>
+            <a:off x="3884613" y="0"/>
+            <a:ext cx="2971800" cy="458788"/>
+          </a:xfrm>
+          <a:prstGeom prst="rect">
+            <a:avLst/>
+          </a:prstGeom>
+        </p:spPr>
+        <p:txBody>
+          <a:bodyPr vert="horz" lIns="91440" tIns="45720" rIns="91440" bIns="45720" rtlCol="0"/>
+          <a:lstStyle>
+            <a:lvl1pPr algn="r">
+              <a:defRPr sz="1200"/>
+            </a:lvl1pPr>
+          </a:lstStyle>
+          <a:p>
+            <a:fld id="{989F6FB8-42EB-4D0E-A7F0-6A6566CED8DF}" type="datetimeFigureOut">
+              <a:rPr lang="en-US" smtClean="0"/>
+              <a:t>9/7/2019</a:t>
+            </a:fld>
+            <a:endParaRPr lang="en-US"/>
+          </a:p>
+        </p:txBody>
+      </p:sp>
+      <p:sp>
+        <p:nvSpPr>
+          <p:cNvPr id="4" name="Slide Image Placeholder 3"/>
+          <p:cNvSpPr>
+            <a:spLocks noGrp="1" noRot="1" noChangeAspect="1"/>
+          </p:cNvSpPr>
+          <p:nvPr>
+            <p:ph type="sldImg" idx="2"/>
+          </p:nvPr>
+        </p:nvSpPr>
+        <p:spPr>
+          <a:xfrm>
+            <a:off x="685800" y="1143000"/>
+            <a:ext cx="5486400" cy="3086100"/>
+          </a:xfrm>
+          <a:prstGeom prst="rect">
+            <a:avLst/>
+          </a:prstGeom>
+          <a:noFill/>
+          <a:ln w="12700">
+            <a:solidFill>
+              <a:prstClr val="black"/>
+            </a:solidFill>
+          </a:ln>
+        </p:spPr>
+        <p:txBody>
+          <a:bodyPr vert="horz" lIns="91440" tIns="45720" rIns="91440" bIns="45720" rtlCol="0" anchor="ctr"/>
+          <a:lstStyle/>
+          <a:p>
+            <a:endParaRPr lang="en-US"/>
+          </a:p>
+        </p:txBody>
+      </p:sp>
+      <p:sp>
+        <p:nvSpPr>
+          <p:cNvPr id="5" name="Notes Placeholder 4"/>
+          <p:cNvSpPr>
+            <a:spLocks noGrp="1"/>
+          </p:cNvSpPr>
+          <p:nvPr>
+            <p:ph type="body" sz="quarter" idx="3"/>
+          </p:nvPr>
+        </p:nvSpPr>
+        <p:spPr>
+          <a:xfrm>
+            <a:off x="685800" y="4400550"/>
+            <a:ext cx="5486400" cy="3600450"/>
+          </a:xfrm>
+          <a:prstGeom prst="rect">
+            <a:avLst/>
+          </a:prstGeom>
+        </p:spPr>
+        <p:txBody>
+          <a:bodyPr vert="horz" lIns="91440" tIns="45720" rIns="91440" bIns="45720" rtlCol="0"/>
+          <a:lstStyle/>
+          <a:p>
+            <a:pPr lvl="0"/>
+            <a:r>
+              <a:rPr lang="en-US"/>
+              <a:t>Click to edit Master text styles</a:t>
+            </a:r>
+          </a:p>
+          <a:p>
+            <a:pPr lvl="1"/>
+            <a:r>
+              <a:rPr lang="en-US"/>
+              <a:t>Second level</a:t>
+            </a:r>
+          </a:p>
+          <a:p>
+            <a:pPr lvl="2"/>
+            <a:r>
+              <a:rPr lang="en-US"/>
+              <a:t>Third level</a:t>
+            </a:r>
+          </a:p>
+          <a:p>
+            <a:pPr lvl="3"/>
+            <a:r>
+              <a:rPr lang="en-US"/>
+              <a:t>Fourth level</a:t>
+            </a:r>
+          </a:p>
+          <a:p>
+            <a:pPr lvl="4"/>
+            <a:r>
+              <a:rPr lang="en-US"/>
+              <a:t>Fifth level</a:t>
+            </a:r>
+          </a:p>
+        </p:txBody>
+      </p:sp>
+      <p:sp>
+        <p:nvSpPr>
+          <p:cNvPr id="6" name="Footer Placeholder 5"/>
+          <p:cNvSpPr>
+            <a:spLocks noGrp="1"/>
+          </p:cNvSpPr>
+          <p:nvPr>
+            <p:ph type="ftr" sz="quarter" idx="4"/>
+          </p:nvPr>
+        </p:nvSpPr>
+        <p:spPr>
+          <a:xfrm>
+            <a:off x="0" y="8685213"/>
+            <a:ext cx="2971800" cy="458787"/>
+          </a:xfrm>
+          <a:prstGeom prst="rect">
+            <a:avLst/>
+          </a:prstGeom>
+        </p:spPr>
+        <p:txBody>
+          <a:bodyPr vert="horz" lIns="91440" tIns="45720" rIns="91440" bIns="45720" rtlCol="0" anchor="b"/>
+          <a:lstStyle>
+            <a:lvl1pPr algn="l">
+              <a:defRPr sz="1200"/>
+            </a:lvl1pPr>
+          </a:lstStyle>
+          <a:p>
+            <a:endParaRPr lang="en-US"/>
+          </a:p>
+        </p:txBody>
+      </p:sp>
+      <p:sp>
+        <p:nvSpPr>
+          <p:cNvPr id="7" name="Slide Number Placeholder 6"/>
+          <p:cNvSpPr>
+            <a:spLocks noGrp="1"/>
+          </p:cNvSpPr>
+          <p:nvPr>
+            <p:ph type="sldNum" sz="quarter" idx="5"/>
+          </p:nvPr>
+        </p:nvSpPr>
+        <p:spPr>
+          <a:xfrm>
+            <a:off x="3884613" y="8685213"/>
+            <a:ext cx="2971800" cy="458787"/>
+          </a:xfrm>
+          <a:prstGeom prst="rect">
+            <a:avLst/>
+          </a:prstGeom>
+        </p:spPr>
+        <p:txBody>
+          <a:bodyPr vert="horz" lIns="91440" tIns="45720" rIns="91440" bIns="45720" rtlCol="0" anchor="b"/>
+          <a:lstStyle>
+            <a:lvl1pPr algn="r">
+              <a:defRPr sz="1200"/>
+            </a:lvl1pPr>
+          </a:lstStyle>
+          <a:p>
+            <a:fld id="{BD1752CF-517C-4ACB-9EA3-774EF3A4FB62}" type="slidenum">
+              <a:rPr lang="en-US" smtClean="0"/>
+              <a:t>‹#›</a:t>
+            </a:fld>
+            <a:endParaRPr lang="en-US"/>
+          </a:p>
+        </p:txBody>
+      </p:sp>
+    </p:spTree>
+    <p:extLst>
+      <p:ext uri="{BB962C8B-B14F-4D97-AF65-F5344CB8AC3E}">
+        <p14:creationId xmlns:p14="http://schemas.microsoft.com/office/powerpoint/2010/main" val="2478903363"/>
+      </p:ext>
+    </p:extLst>
+  </p:cSld>
+  <p:clrMap bg1="lt1" tx1="dk1" bg2="lt2" tx2="dk2" accent1="accent1" accent2="accent2" accent3="accent3" accent4="accent4" accent5="accent5" accent6="accent6" hlink="hlink" folHlink="folHlink"/>
+  <p:notesStyle>
+    <a:lvl1pPr marL="0" algn="l" defTabSz="914400" rtl="0" eaLnBrk="1" latinLnBrk="0" hangingPunct="1">
+      <a:defRPr sz="1200" kern="1200">
+        <a:solidFill>
+          <a:schemeClr val="tx1"/>
+        </a:solidFill>
+        <a:latin typeface="+mn-lt"/>
+        <a:ea typeface="+mn-ea"/>
+        <a:cs typeface="+mn-cs"/>
+      </a:defRPr>
+    </a:lvl1pPr>
+    <a:lvl2pPr marL="457200" algn="l" defTabSz="914400" rtl="0" eaLnBrk="1" latinLnBrk="0" hangingPunct="1">
+      <a:defRPr sz="1200" kern="1200">
+        <a:solidFill>
+          <a:schemeClr val="tx1"/>
+        </a:solidFill>
+        <a:latin typeface="+mn-lt"/>
+        <a:ea typeface="+mn-ea"/>
+        <a:cs typeface="+mn-cs"/>
+      </a:defRPr>
+    </a:lvl2pPr>
+    <a:lvl3pPr marL="914400" algn="l" defTabSz="914400" rtl="0" eaLnBrk="1" latinLnBrk="0" hangingPunct="1">
+      <a:defRPr sz="1200" kern="1200">
+        <a:solidFill>
+          <a:schemeClr val="tx1"/>
+        </a:solidFill>
+        <a:latin typeface="+mn-lt"/>
+        <a:ea typeface="+mn-ea"/>
+        <a:cs typeface="+mn-cs"/>
+      </a:defRPr>
+    </a:lvl3pPr>
+    <a:lvl4pPr marL="1371600" algn="l" defTabSz="914400" rtl="0" eaLnBrk="1" latinLnBrk="0" hangingPunct="1">
+      <a:defRPr sz="1200" kern="1200">
+        <a:solidFill>
+          <a:schemeClr val="tx1"/>
+        </a:solidFill>
+        <a:latin typeface="+mn-lt"/>
+        <a:ea typeface="+mn-ea"/>
+        <a:cs typeface="+mn-cs"/>
+      </a:defRPr>
+    </a:lvl4pPr>
+    <a:lvl5pPr marL="1828800" algn="l" defTabSz="914400" rtl="0" eaLnBrk="1" latinLnBrk="0" hangingPunct="1">
+      <a:defRPr sz="1200" kern="1200">
+        <a:solidFill>
+          <a:schemeClr val="tx1"/>
+        </a:solidFill>
+        <a:latin typeface="+mn-lt"/>
+        <a:ea typeface="+mn-ea"/>
+        <a:cs typeface="+mn-cs"/>
+      </a:defRPr>
+    </a:lvl5pPr>
+    <a:lvl6pPr marL="2286000" algn="l" defTabSz="914400" rtl="0" eaLnBrk="1" latinLnBrk="0" hangingPunct="1">
+      <a:defRPr sz="1200" kern="1200">
+        <a:solidFill>
+          <a:schemeClr val="tx1"/>
+        </a:solidFill>
+        <a:latin typeface="+mn-lt"/>
+        <a:ea typeface="+mn-ea"/>
+        <a:cs typeface="+mn-cs"/>
+      </a:defRPr>
+    </a:lvl6pPr>
+    <a:lvl7pPr marL="2743200" algn="l" defTabSz="914400" rtl="0" eaLnBrk="1" latinLnBrk="0" hangingPunct="1">
+      <a:defRPr sz="1200" kern="1200">
+        <a:solidFill>
+          <a:schemeClr val="tx1"/>
+        </a:solidFill>
+        <a:latin typeface="+mn-lt"/>
+        <a:ea typeface="+mn-ea"/>
+        <a:cs typeface="+mn-cs"/>
+      </a:defRPr>
+    </a:lvl7pPr>
+    <a:lvl8pPr marL="3200400" algn="l" defTabSz="914400" rtl="0" eaLnBrk="1" latinLnBrk="0" hangingPunct="1">
+      <a:defRPr sz="1200" kern="1200">
+        <a:solidFill>
+          <a:schemeClr val="tx1"/>
+        </a:solidFill>
+        <a:latin typeface="+mn-lt"/>
+        <a:ea typeface="+mn-ea"/>
+        <a:cs typeface="+mn-cs"/>
+      </a:defRPr>
+    </a:lvl8pPr>
+    <a:lvl9pPr marL="3657600" algn="l" defTabSz="914400" rtl="0" eaLnBrk="1" latinLnBrk="0" hangingPunct="1">
+      <a:defRPr sz="1200" kern="1200">
+        <a:solidFill>
+          <a:schemeClr val="tx1"/>
+        </a:solidFill>
+        <a:latin typeface="+mn-lt"/>
+        <a:ea typeface="+mn-ea"/>
+        <a:cs typeface="+mn-cs"/>
+      </a:defRPr>
+    </a:lvl9pPr>
+  </p:notesStyle>
+</p:notesMaster>
+</file>
+
+<file path=ppt/notesSlides/notesSlide1.xml><?xml version="1.0" encoding="utf-8"?>
+<p:notes xmlns:a="http://schemas.openxmlformats.org/drawingml/2006/main" xmlns:r="http://schemas.openxmlformats.org/officeDocument/2006/relationships" xmlns:p="http://schemas.openxmlformats.org/presentationml/2006/main">
+  <p:cSld>
+    <p:spTree>
+      <p:nvGrpSpPr>
+        <p:cNvPr id="1" name=""/>
+        <p:cNvGrpSpPr/>
+        <p:nvPr/>
+      </p:nvGrpSpPr>
+      <p:grpSpPr>
+        <a:xfrm>
+          <a:off x="0" y="0"/>
+          <a:ext cx="0" cy="0"/>
+          <a:chOff x="0" y="0"/>
+          <a:chExt cx="0" cy="0"/>
+        </a:xfrm>
+      </p:grpSpPr>
+      <p:sp>
+        <p:nvSpPr>
+          <p:cNvPr id="2" name="Slide Image Placeholder 1"/>
+          <p:cNvSpPr>
+            <a:spLocks noGrp="1" noRot="1" noChangeAspect="1"/>
+          </p:cNvSpPr>
+          <p:nvPr>
+            <p:ph type="sldImg"/>
+          </p:nvPr>
+        </p:nvSpPr>
+        <p:spPr/>
+      </p:sp>
+      <p:sp>
+        <p:nvSpPr>
+          <p:cNvPr id="3" name="Notes Placeholder 2"/>
+          <p:cNvSpPr>
+            <a:spLocks noGrp="1"/>
+          </p:cNvSpPr>
+          <p:nvPr>
+            <p:ph type="body" idx="1"/>
+          </p:nvPr>
+        </p:nvSpPr>
+        <p:spPr/>
+        <p:txBody>
+          <a:bodyPr/>
+          <a:lstStyle/>
+          <a:p>
+            <a:pPr marL="171450" indent="-171450">
+              <a:buFontTx/>
+              <a:buChar char="-"/>
+            </a:pPr>
+            <a:r>
+              <a:rPr lang="en-US" dirty="0"/>
+              <a:t>Briefly describe </a:t>
+            </a:r>
+            <a:r>
+              <a:rPr lang="en-US" i="1" dirty="0"/>
+              <a:t>why </a:t>
+            </a:r>
+            <a:r>
+              <a:rPr lang="en-US" i="0" dirty="0"/>
+              <a:t>we asked these questions, and explain how we decided on our hypothesis. </a:t>
+            </a:r>
+          </a:p>
+          <a:p>
+            <a:pPr marL="171450" indent="-171450">
+              <a:buFontTx/>
+              <a:buChar char="-"/>
+            </a:pPr>
+            <a:r>
+              <a:rPr lang="en-US" i="0" dirty="0"/>
+              <a:t>Describe whether we were able to answer these questions to our satisfaction and summarize findings</a:t>
+            </a:r>
+          </a:p>
+          <a:p>
+            <a:pPr marL="171450" indent="-171450">
+              <a:buFontTx/>
+              <a:buChar char="-"/>
+            </a:pPr>
+            <a:endParaRPr lang="en-US" i="0" dirty="0"/>
+          </a:p>
+        </p:txBody>
+      </p:sp>
+      <p:sp>
+        <p:nvSpPr>
+          <p:cNvPr id="4" name="Slide Number Placeholder 3"/>
+          <p:cNvSpPr>
+            <a:spLocks noGrp="1"/>
+          </p:cNvSpPr>
+          <p:nvPr>
+            <p:ph type="sldNum" sz="quarter" idx="5"/>
+          </p:nvPr>
+        </p:nvSpPr>
+        <p:spPr/>
+        <p:txBody>
+          <a:bodyPr/>
+          <a:lstStyle/>
+          <a:p>
+            <a:fld id="{BD1752CF-517C-4ACB-9EA3-774EF3A4FB62}" type="slidenum">
+              <a:rPr lang="en-US" smtClean="0"/>
+              <a:t>2</a:t>
+            </a:fld>
+            <a:endParaRPr lang="en-US"/>
+          </a:p>
+        </p:txBody>
+      </p:sp>
+    </p:spTree>
+    <p:extLst>
+      <p:ext uri="{BB962C8B-B14F-4D97-AF65-F5344CB8AC3E}">
+        <p14:creationId xmlns:p14="http://schemas.microsoft.com/office/powerpoint/2010/main" val="2139243965"/>
+      </p:ext>
+    </p:extLst>
+  </p:cSld>
+  <p:clrMapOvr>
+    <a:masterClrMapping/>
+  </p:clrMapOvr>
+</p:notes>
+</file>
+
+<file path=ppt/notesSlides/notesSlide2.xml><?xml version="1.0" encoding="utf-8"?>
+<p:notes xmlns:a="http://schemas.openxmlformats.org/drawingml/2006/main" xmlns:r="http://schemas.openxmlformats.org/officeDocument/2006/relationships" xmlns:p="http://schemas.openxmlformats.org/presentationml/2006/main">
+  <p:cSld>
+    <p:spTree>
+      <p:nvGrpSpPr>
+        <p:cNvPr id="1" name=""/>
+        <p:cNvGrpSpPr/>
+        <p:nvPr/>
+      </p:nvGrpSpPr>
+      <p:grpSpPr>
+        <a:xfrm>
+          <a:off x="0" y="0"/>
+          <a:ext cx="0" cy="0"/>
+          <a:chOff x="0" y="0"/>
+          <a:chExt cx="0" cy="0"/>
+        </a:xfrm>
+      </p:grpSpPr>
+      <p:sp>
+        <p:nvSpPr>
+          <p:cNvPr id="2" name="Slide Image Placeholder 1"/>
+          <p:cNvSpPr>
+            <a:spLocks noGrp="1" noRot="1" noChangeAspect="1"/>
+          </p:cNvSpPr>
+          <p:nvPr>
+            <p:ph type="sldImg"/>
+          </p:nvPr>
+        </p:nvSpPr>
+        <p:spPr/>
+      </p:sp>
+      <p:sp>
+        <p:nvSpPr>
+          <p:cNvPr id="3" name="Notes Placeholder 2"/>
+          <p:cNvSpPr>
+            <a:spLocks noGrp="1"/>
+          </p:cNvSpPr>
+          <p:nvPr>
+            <p:ph type="body" idx="1"/>
+          </p:nvPr>
+        </p:nvSpPr>
+        <p:spPr/>
+        <p:txBody>
+          <a:bodyPr/>
+          <a:lstStyle/>
+          <a:p>
+            <a:r>
+              <a:rPr lang="en-US" dirty="0"/>
+              <a:t>Add graphs </a:t>
+            </a:r>
+          </a:p>
+        </p:txBody>
+      </p:sp>
+      <p:sp>
+        <p:nvSpPr>
+          <p:cNvPr id="4" name="Slide Number Placeholder 3"/>
+          <p:cNvSpPr>
+            <a:spLocks noGrp="1"/>
+          </p:cNvSpPr>
+          <p:nvPr>
+            <p:ph type="sldNum" sz="quarter" idx="5"/>
+          </p:nvPr>
+        </p:nvSpPr>
+        <p:spPr/>
+        <p:txBody>
+          <a:bodyPr/>
+          <a:lstStyle/>
+          <a:p>
+            <a:fld id="{BD1752CF-517C-4ACB-9EA3-774EF3A4FB62}" type="slidenum">
+              <a:rPr lang="en-US" smtClean="0"/>
+              <a:t>3</a:t>
+            </a:fld>
+            <a:endParaRPr lang="en-US"/>
+          </a:p>
+        </p:txBody>
+      </p:sp>
+    </p:spTree>
+    <p:extLst>
+      <p:ext uri="{BB962C8B-B14F-4D97-AF65-F5344CB8AC3E}">
+        <p14:creationId xmlns:p14="http://schemas.microsoft.com/office/powerpoint/2010/main" val="4220290232"/>
+      </p:ext>
+    </p:extLst>
+  </p:cSld>
+  <p:clrMapOvr>
+    <a:masterClrMapping/>
+  </p:clrMapOvr>
+</p:notes>
+</file>
+
+<file path=ppt/notesSlides/notesSlide3.xml><?xml version="1.0" encoding="utf-8"?>
+<p:notes xmlns:a="http://schemas.openxmlformats.org/drawingml/2006/main" xmlns:r="http://schemas.openxmlformats.org/officeDocument/2006/relationships" xmlns:p="http://schemas.openxmlformats.org/presentationml/2006/main">
+  <p:cSld>
+    <p:spTree>
+      <p:nvGrpSpPr>
+        <p:cNvPr id="1" name=""/>
+        <p:cNvGrpSpPr/>
+        <p:nvPr/>
+      </p:nvGrpSpPr>
+      <p:grpSpPr>
+        <a:xfrm>
+          <a:off x="0" y="0"/>
+          <a:ext cx="0" cy="0"/>
+          <a:chOff x="0" y="0"/>
+          <a:chExt cx="0" cy="0"/>
+        </a:xfrm>
+      </p:grpSpPr>
+      <p:sp>
+        <p:nvSpPr>
+          <p:cNvPr id="2" name="Slide Image Placeholder 1"/>
+          <p:cNvSpPr>
+            <a:spLocks noGrp="1" noRot="1" noChangeAspect="1"/>
+          </p:cNvSpPr>
+          <p:nvPr>
+            <p:ph type="sldImg"/>
+          </p:nvPr>
+        </p:nvSpPr>
+        <p:spPr/>
+      </p:sp>
+      <p:sp>
+        <p:nvSpPr>
+          <p:cNvPr id="3" name="Notes Placeholder 2"/>
+          <p:cNvSpPr>
+            <a:spLocks noGrp="1"/>
+          </p:cNvSpPr>
+          <p:nvPr>
+            <p:ph type="body" idx="1"/>
+          </p:nvPr>
+        </p:nvSpPr>
+        <p:spPr/>
+        <p:txBody>
+          <a:bodyPr/>
+          <a:lstStyle/>
+          <a:p>
+            <a:pPr marL="0" marR="0" lvl="0" indent="0" algn="l" defTabSz="914400" rtl="0" eaLnBrk="1" fontAlgn="auto" latinLnBrk="0" hangingPunct="1">
+              <a:lnSpc>
+                <a:spcPct val="100000"/>
+              </a:lnSpc>
+              <a:spcBef>
+                <a:spcPts val="0"/>
+              </a:spcBef>
+              <a:spcAft>
+                <a:spcPts val="0"/>
+              </a:spcAft>
+              <a:buClrTx/>
+              <a:buSzTx/>
+              <a:buFontTx/>
+              <a:buNone/>
+              <a:tabLst/>
+              <a:defRPr/>
+            </a:pPr>
+            <a:r>
+              <a:rPr lang="en-US" dirty="0"/>
+              <a:t>Add graphs </a:t>
+            </a:r>
+          </a:p>
+          <a:p>
+            <a:endParaRPr lang="en-US" dirty="0"/>
+          </a:p>
+        </p:txBody>
+      </p:sp>
+      <p:sp>
+        <p:nvSpPr>
+          <p:cNvPr id="4" name="Slide Number Placeholder 3"/>
+          <p:cNvSpPr>
+            <a:spLocks noGrp="1"/>
+          </p:cNvSpPr>
+          <p:nvPr>
+            <p:ph type="sldNum" sz="quarter" idx="5"/>
+          </p:nvPr>
+        </p:nvSpPr>
+        <p:spPr/>
+        <p:txBody>
+          <a:bodyPr/>
+          <a:lstStyle/>
+          <a:p>
+            <a:fld id="{BD1752CF-517C-4ACB-9EA3-774EF3A4FB62}" type="slidenum">
+              <a:rPr lang="en-US" smtClean="0"/>
+              <a:t>4</a:t>
+            </a:fld>
+            <a:endParaRPr lang="en-US"/>
+          </a:p>
+        </p:txBody>
+      </p:sp>
+    </p:spTree>
+    <p:extLst>
+      <p:ext uri="{BB962C8B-B14F-4D97-AF65-F5344CB8AC3E}">
+        <p14:creationId xmlns:p14="http://schemas.microsoft.com/office/powerpoint/2010/main" val="2449927815"/>
+      </p:ext>
+    </p:extLst>
+  </p:cSld>
+  <p:clrMapOvr>
+    <a:masterClrMapping/>
+  </p:clrMapOvr>
+</p:notes>
+</file>
+
+<file path=ppt/notesSlides/notesSlide4.xml><?xml version="1.0" encoding="utf-8"?>
+<p:notes xmlns:a="http://schemas.openxmlformats.org/drawingml/2006/main" xmlns:r="http://schemas.openxmlformats.org/officeDocument/2006/relationships" xmlns:p="http://schemas.openxmlformats.org/presentationml/2006/main">
+  <p:cSld>
+    <p:spTree>
+      <p:nvGrpSpPr>
+        <p:cNvPr id="1" name=""/>
+        <p:cNvGrpSpPr/>
+        <p:nvPr/>
+      </p:nvGrpSpPr>
+      <p:grpSpPr>
+        <a:xfrm>
+          <a:off x="0" y="0"/>
+          <a:ext cx="0" cy="0"/>
+          <a:chOff x="0" y="0"/>
+          <a:chExt cx="0" cy="0"/>
+        </a:xfrm>
+      </p:grpSpPr>
+      <p:sp>
+        <p:nvSpPr>
+          <p:cNvPr id="2" name="Slide Image Placeholder 1"/>
+          <p:cNvSpPr>
+            <a:spLocks noGrp="1" noRot="1" noChangeAspect="1"/>
+          </p:cNvSpPr>
+          <p:nvPr>
+            <p:ph type="sldImg"/>
+          </p:nvPr>
+        </p:nvSpPr>
+        <p:spPr/>
+      </p:sp>
+      <p:sp>
+        <p:nvSpPr>
+          <p:cNvPr id="3" name="Notes Placeholder 2"/>
+          <p:cNvSpPr>
+            <a:spLocks noGrp="1"/>
+          </p:cNvSpPr>
+          <p:nvPr>
+            <p:ph type="body" idx="1"/>
+          </p:nvPr>
+        </p:nvSpPr>
+        <p:spPr/>
+        <p:txBody>
+          <a:bodyPr/>
+          <a:lstStyle/>
+          <a:p>
+            <a:pPr marL="0" marR="0" lvl="0" indent="0" algn="l" defTabSz="914400" rtl="0" eaLnBrk="1" fontAlgn="auto" latinLnBrk="0" hangingPunct="1">
+              <a:lnSpc>
+                <a:spcPct val="100000"/>
+              </a:lnSpc>
+              <a:spcBef>
+                <a:spcPts val="0"/>
+              </a:spcBef>
+              <a:spcAft>
+                <a:spcPts val="0"/>
+              </a:spcAft>
+              <a:buClrTx/>
+              <a:buSzTx/>
+              <a:buFontTx/>
+              <a:buNone/>
+              <a:tabLst/>
+              <a:defRPr/>
+            </a:pPr>
+            <a:r>
+              <a:rPr lang="en-US" dirty="0"/>
+              <a:t>Add graphs </a:t>
+            </a:r>
+          </a:p>
+          <a:p>
+            <a:endParaRPr lang="en-US" dirty="0"/>
+          </a:p>
+        </p:txBody>
+      </p:sp>
+      <p:sp>
+        <p:nvSpPr>
+          <p:cNvPr id="4" name="Slide Number Placeholder 3"/>
+          <p:cNvSpPr>
+            <a:spLocks noGrp="1"/>
+          </p:cNvSpPr>
+          <p:nvPr>
+            <p:ph type="sldNum" sz="quarter" idx="5"/>
+          </p:nvPr>
+        </p:nvSpPr>
+        <p:spPr/>
+        <p:txBody>
+          <a:bodyPr/>
+          <a:lstStyle/>
+          <a:p>
+            <a:fld id="{BD1752CF-517C-4ACB-9EA3-774EF3A4FB62}" type="slidenum">
+              <a:rPr lang="en-US" smtClean="0"/>
+              <a:t>5</a:t>
+            </a:fld>
+            <a:endParaRPr lang="en-US"/>
+          </a:p>
+        </p:txBody>
+      </p:sp>
+    </p:spTree>
+    <p:extLst>
+      <p:ext uri="{BB962C8B-B14F-4D97-AF65-F5344CB8AC3E}">
+        <p14:creationId xmlns:p14="http://schemas.microsoft.com/office/powerpoint/2010/main" val="3376421320"/>
+      </p:ext>
+    </p:extLst>
+  </p:cSld>
+  <p:clrMapOvr>
+    <a:masterClrMapping/>
+  </p:clrMapOvr>
+</p:notes>
+</file>
+
+<file path=ppt/notesSlides/notesSlide5.xml><?xml version="1.0" encoding="utf-8"?>
+<p:notes xmlns:a="http://schemas.openxmlformats.org/drawingml/2006/main" xmlns:r="http://schemas.openxmlformats.org/officeDocument/2006/relationships" xmlns:p="http://schemas.openxmlformats.org/presentationml/2006/main">
+  <p:cSld>
+    <p:spTree>
+      <p:nvGrpSpPr>
+        <p:cNvPr id="1" name=""/>
+        <p:cNvGrpSpPr/>
+        <p:nvPr/>
+      </p:nvGrpSpPr>
+      <p:grpSpPr>
+        <a:xfrm>
+          <a:off x="0" y="0"/>
+          <a:ext cx="0" cy="0"/>
+          <a:chOff x="0" y="0"/>
+          <a:chExt cx="0" cy="0"/>
+        </a:xfrm>
+      </p:grpSpPr>
+      <p:sp>
+        <p:nvSpPr>
+          <p:cNvPr id="2" name="Slide Image Placeholder 1"/>
+          <p:cNvSpPr>
+            <a:spLocks noGrp="1" noRot="1" noChangeAspect="1"/>
+          </p:cNvSpPr>
+          <p:nvPr>
+            <p:ph type="sldImg"/>
+          </p:nvPr>
+        </p:nvSpPr>
+        <p:spPr/>
+      </p:sp>
+      <p:sp>
+        <p:nvSpPr>
+          <p:cNvPr id="3" name="Notes Placeholder 2"/>
+          <p:cNvSpPr>
+            <a:spLocks noGrp="1"/>
+          </p:cNvSpPr>
+          <p:nvPr>
+            <p:ph type="body" idx="1"/>
+          </p:nvPr>
+        </p:nvSpPr>
+        <p:spPr/>
+        <p:txBody>
+          <a:bodyPr/>
+          <a:lstStyle/>
+          <a:p>
+            <a:pPr marL="0" marR="0" lvl="0" indent="0" algn="l" defTabSz="914400" rtl="0" eaLnBrk="1" fontAlgn="auto" latinLnBrk="0" hangingPunct="1">
+              <a:lnSpc>
+                <a:spcPct val="100000"/>
+              </a:lnSpc>
+              <a:spcBef>
+                <a:spcPts val="0"/>
+              </a:spcBef>
+              <a:spcAft>
+                <a:spcPts val="0"/>
+              </a:spcAft>
+              <a:buClrTx/>
+              <a:buSzTx/>
+              <a:buFontTx/>
+              <a:buNone/>
+              <a:tabLst/>
+              <a:defRPr/>
+            </a:pPr>
+            <a:r>
+              <a:rPr lang="en-US" dirty="0"/>
+              <a:t>Add graphs </a:t>
+            </a:r>
+          </a:p>
+          <a:p>
+            <a:endParaRPr lang="en-US" dirty="0"/>
+          </a:p>
+        </p:txBody>
+      </p:sp>
+      <p:sp>
+        <p:nvSpPr>
+          <p:cNvPr id="4" name="Slide Number Placeholder 3"/>
+          <p:cNvSpPr>
+            <a:spLocks noGrp="1"/>
+          </p:cNvSpPr>
+          <p:nvPr>
+            <p:ph type="sldNum" sz="quarter" idx="5"/>
+          </p:nvPr>
+        </p:nvSpPr>
+        <p:spPr/>
+        <p:txBody>
+          <a:bodyPr/>
+          <a:lstStyle/>
+          <a:p>
+            <a:fld id="{BD1752CF-517C-4ACB-9EA3-774EF3A4FB62}" type="slidenum">
+              <a:rPr lang="en-US" smtClean="0"/>
+              <a:t>6</a:t>
+            </a:fld>
+            <a:endParaRPr lang="en-US"/>
+          </a:p>
+        </p:txBody>
+      </p:sp>
+    </p:spTree>
+    <p:extLst>
+      <p:ext uri="{BB962C8B-B14F-4D97-AF65-F5344CB8AC3E}">
+        <p14:creationId xmlns:p14="http://schemas.microsoft.com/office/powerpoint/2010/main" val="2273553731"/>
+      </p:ext>
+    </p:extLst>
+  </p:cSld>
+  <p:clrMapOvr>
+    <a:masterClrMapping/>
+  </p:clrMapOvr>
+</p:notes>
+</file>
+
+<file path=ppt/notesSlides/notesSlide6.xml><?xml version="1.0" encoding="utf-8"?>
+<p:notes xmlns:a="http://schemas.openxmlformats.org/drawingml/2006/main" xmlns:r="http://schemas.openxmlformats.org/officeDocument/2006/relationships" xmlns:p="http://schemas.openxmlformats.org/presentationml/2006/main">
+  <p:cSld>
+    <p:spTree>
+      <p:nvGrpSpPr>
+        <p:cNvPr id="1" name=""/>
+        <p:cNvGrpSpPr/>
+        <p:nvPr/>
+      </p:nvGrpSpPr>
+      <p:grpSpPr>
+        <a:xfrm>
+          <a:off x="0" y="0"/>
+          <a:ext cx="0" cy="0"/>
+          <a:chOff x="0" y="0"/>
+          <a:chExt cx="0" cy="0"/>
+        </a:xfrm>
+      </p:grpSpPr>
+      <p:sp>
+        <p:nvSpPr>
+          <p:cNvPr id="2" name="Slide Image Placeholder 1"/>
+          <p:cNvSpPr>
+            <a:spLocks noGrp="1" noRot="1" noChangeAspect="1"/>
+          </p:cNvSpPr>
+          <p:nvPr>
+            <p:ph type="sldImg"/>
+          </p:nvPr>
+        </p:nvSpPr>
+        <p:spPr/>
+      </p:sp>
+      <p:sp>
+        <p:nvSpPr>
+          <p:cNvPr id="3" name="Notes Placeholder 2"/>
+          <p:cNvSpPr>
+            <a:spLocks noGrp="1"/>
+          </p:cNvSpPr>
+          <p:nvPr>
+            <p:ph type="body" idx="1"/>
+          </p:nvPr>
+        </p:nvSpPr>
+        <p:spPr/>
+        <p:txBody>
+          <a:bodyPr/>
+          <a:lstStyle/>
+          <a:p>
+            <a:endParaRPr lang="en-US" dirty="0"/>
+          </a:p>
+        </p:txBody>
+      </p:sp>
+      <p:sp>
+        <p:nvSpPr>
+          <p:cNvPr id="4" name="Slide Number Placeholder 3"/>
+          <p:cNvSpPr>
+            <a:spLocks noGrp="1"/>
+          </p:cNvSpPr>
+          <p:nvPr>
+            <p:ph type="sldNum" sz="quarter" idx="5"/>
+          </p:nvPr>
+        </p:nvSpPr>
+        <p:spPr/>
+        <p:txBody>
+          <a:bodyPr/>
+          <a:lstStyle/>
+          <a:p>
+            <a:fld id="{BD1752CF-517C-4ACB-9EA3-774EF3A4FB62}" type="slidenum">
+              <a:rPr lang="en-US" smtClean="0"/>
+              <a:t>7</a:t>
+            </a:fld>
+            <a:endParaRPr lang="en-US"/>
+          </a:p>
+        </p:txBody>
+      </p:sp>
+    </p:spTree>
+    <p:extLst>
+      <p:ext uri="{BB962C8B-B14F-4D97-AF65-F5344CB8AC3E}">
+        <p14:creationId xmlns:p14="http://schemas.microsoft.com/office/powerpoint/2010/main" val="1358245026"/>
+      </p:ext>
+    </p:extLst>
+  </p:cSld>
+  <p:clrMapOvr>
+    <a:masterClrMapping/>
+  </p:clrMapOvr>
+</p:notes>
 </file>
 
 <file path=ppt/slideLayouts/slideLayout1.xml><?xml version="1.0" encoding="utf-8"?>
@@ -284,7 +1249,7 @@
           <a:p>
             <a:fld id="{48A87A34-81AB-432B-8DAE-1953F412C126}" type="datetimeFigureOut">
               <a:rPr lang="en-US" dirty="0"/>
-              <a:t>9/6/2019</a:t>
+              <a:t>9/7/2019</a:t>
             </a:fld>
             <a:endParaRPr lang="en-US" dirty="0"/>
           </a:p>
@@ -546,7 +1511,7 @@
           <a:p>
             <a:fld id="{48A87A34-81AB-432B-8DAE-1953F412C126}" type="datetimeFigureOut">
               <a:rPr lang="en-US" dirty="0"/>
-              <a:t>9/6/2019</a:t>
+              <a:t>9/7/2019</a:t>
             </a:fld>
             <a:endParaRPr lang="en-US" dirty="0"/>
           </a:p>
@@ -773,7 +1738,7 @@
             <a:fld id="{48A87A34-81AB-432B-8DAE-1953F412C126}" type="datetimeFigureOut">
               <a:rPr lang="en-US" dirty="0"/>
               <a:pPr/>
-              <a:t>9/6/2019</a:t>
+              <a:t>9/7/2019</a:t>
             </a:fld>
             <a:endParaRPr lang="en-US" dirty="0"/>
           </a:p>
@@ -1079,7 +2044,7 @@
             <a:fld id="{48A87A34-81AB-432B-8DAE-1953F412C126}" type="datetimeFigureOut">
               <a:rPr lang="en-US" dirty="0"/>
               <a:pPr/>
-              <a:t>9/6/2019</a:t>
+              <a:t>9/7/2019</a:t>
             </a:fld>
             <a:endParaRPr lang="en-US" dirty="0"/>
           </a:p>
@@ -1548,7 +2513,7 @@
             <a:fld id="{48A87A34-81AB-432B-8DAE-1953F412C126}" type="datetimeFigureOut">
               <a:rPr lang="en-US" dirty="0"/>
               <a:pPr/>
-              <a:t>9/6/2019</a:t>
+              <a:t>9/7/2019</a:t>
             </a:fld>
             <a:endParaRPr lang="en-US" dirty="0"/>
           </a:p>
@@ -2090,7 +3055,7 @@
           <a:p>
             <a:fld id="{48A87A34-81AB-432B-8DAE-1953F412C126}" type="datetimeFigureOut">
               <a:rPr lang="en-US" dirty="0"/>
-              <a:t>9/6/2019</a:t>
+              <a:t>9/7/2019</a:t>
             </a:fld>
             <a:endParaRPr lang="en-US" dirty="0"/>
           </a:p>
@@ -2859,7 +3824,7 @@
           <a:p>
             <a:fld id="{48A87A34-81AB-432B-8DAE-1953F412C126}" type="datetimeFigureOut">
               <a:rPr lang="en-US" dirty="0"/>
-              <a:t>9/6/2019</a:t>
+              <a:t>9/7/2019</a:t>
             </a:fld>
             <a:endParaRPr lang="en-US" dirty="0"/>
           </a:p>
@@ -3029,7 +3994,7 @@
           <a:p>
             <a:fld id="{48A87A34-81AB-432B-8DAE-1953F412C126}" type="datetimeFigureOut">
               <a:rPr lang="en-US" dirty="0"/>
-              <a:t>9/6/2019</a:t>
+              <a:t>9/7/2019</a:t>
             </a:fld>
             <a:endParaRPr lang="en-US" dirty="0"/>
           </a:p>
@@ -3248,7 +4213,7 @@
             <a:fld id="{48A87A34-81AB-432B-8DAE-1953F412C126}" type="datetimeFigureOut">
               <a:rPr lang="en-US" dirty="0"/>
               <a:pPr/>
-              <a:t>9/6/2019</a:t>
+              <a:t>9/7/2019</a:t>
             </a:fld>
             <a:endParaRPr lang="en-US" dirty="0"/>
           </a:p>
@@ -3423,7 +4388,7 @@
           <a:p>
             <a:fld id="{48A87A34-81AB-432B-8DAE-1953F412C126}" type="datetimeFigureOut">
               <a:rPr lang="en-US" dirty="0"/>
-              <a:t>9/6/2019</a:t>
+              <a:t>9/7/2019</a:t>
             </a:fld>
             <a:endParaRPr lang="en-US" dirty="0"/>
           </a:p>
@@ -3708,7 +4673,7 @@
             <a:fld id="{48A87A34-81AB-432B-8DAE-1953F412C126}" type="datetimeFigureOut">
               <a:rPr lang="en-US" dirty="0"/>
               <a:pPr/>
-              <a:t>9/6/2019</a:t>
+              <a:t>9/7/2019</a:t>
             </a:fld>
             <a:endParaRPr lang="en-US" dirty="0"/>
           </a:p>
@@ -3945,7 +4910,7 @@
           <a:p>
             <a:fld id="{48A87A34-81AB-432B-8DAE-1953F412C126}" type="datetimeFigureOut">
               <a:rPr lang="en-US" dirty="0"/>
-              <a:t>9/6/2019</a:t>
+              <a:t>9/7/2019</a:t>
             </a:fld>
             <a:endParaRPr lang="en-US" dirty="0"/>
           </a:p>
@@ -4319,7 +5284,7 @@
           <a:p>
             <a:fld id="{48A87A34-81AB-432B-8DAE-1953F412C126}" type="datetimeFigureOut">
               <a:rPr lang="en-US" dirty="0"/>
-              <a:t>9/6/2019</a:t>
+              <a:t>9/7/2019</a:t>
             </a:fld>
             <a:endParaRPr lang="en-US" dirty="0"/>
           </a:p>
@@ -4432,7 +5397,7 @@
           <a:p>
             <a:fld id="{48A87A34-81AB-432B-8DAE-1953F412C126}" type="datetimeFigureOut">
               <a:rPr lang="en-US" dirty="0"/>
-              <a:t>9/6/2019</a:t>
+              <a:t>9/7/2019</a:t>
             </a:fld>
             <a:endParaRPr lang="en-US" dirty="0"/>
           </a:p>
@@ -4522,7 +5487,7 @@
           <a:p>
             <a:fld id="{48A87A34-81AB-432B-8DAE-1953F412C126}" type="datetimeFigureOut">
               <a:rPr lang="en-US" dirty="0"/>
-              <a:t>9/6/2019</a:t>
+              <a:t>9/7/2019</a:t>
             </a:fld>
             <a:endParaRPr lang="en-US" dirty="0"/>
           </a:p>
@@ -4766,7 +5731,7 @@
           <a:p>
             <a:fld id="{48A87A34-81AB-432B-8DAE-1953F412C126}" type="datetimeFigureOut">
               <a:rPr lang="en-US" dirty="0"/>
-              <a:t>9/6/2019</a:t>
+              <a:t>9/7/2019</a:t>
             </a:fld>
             <a:endParaRPr lang="en-US" dirty="0"/>
           </a:p>
@@ -5018,7 +5983,7 @@
           <a:p>
             <a:fld id="{48A87A34-81AB-432B-8DAE-1953F412C126}" type="datetimeFigureOut">
               <a:rPr lang="en-US" dirty="0"/>
-              <a:t>9/6/2019</a:t>
+              <a:t>9/7/2019</a:t>
             </a:fld>
             <a:endParaRPr lang="en-US" dirty="0"/>
           </a:p>
@@ -5257,7 +6222,7 @@
             <a:fld id="{48A87A34-81AB-432B-8DAE-1953F412C126}" type="datetimeFigureOut">
               <a:rPr lang="en-US" dirty="0"/>
               <a:pPr/>
-              <a:t>9/6/2019</a:t>
+              <a:t>9/7/2019</a:t>
             </a:fld>
             <a:endParaRPr lang="en-US" dirty="0"/>
           </a:p>
@@ -5680,15 +6645,27 @@
             <p:ph type="ctrTitle"/>
           </p:nvPr>
         </p:nvSpPr>
-        <p:spPr/>
-        <p:txBody>
-          <a:bodyPr/>
-          <a:lstStyle/>
-          <a:p>
-            <a:r>
-              <a:rPr lang="en-US" dirty="0"/>
-              <a:t>Project Name</a:t>
-            </a:r>
+        <p:spPr>
+          <a:xfrm>
+            <a:off x="165716" y="667063"/>
+            <a:ext cx="11860567" cy="1825096"/>
+          </a:xfrm>
+        </p:spPr>
+        <p:txBody>
+          <a:bodyPr>
+            <a:normAutofit/>
+          </a:bodyPr>
+          <a:lstStyle/>
+          <a:p>
+            <a:r>
+              <a:rPr lang="en-US" sz="4300" dirty="0"/>
+              <a:t>Menu: Segmentation and </a:t>
+            </a:r>
+            <a:r>
+              <a:rPr lang="en-US" sz="4300" dirty="0" err="1"/>
+              <a:t>seo</a:t>
+            </a:r>
+            <a:endParaRPr lang="en-US" sz="4300" dirty="0"/>
           </a:p>
         </p:txBody>
       </p:sp>
@@ -5710,7 +6687,7 @@
         </p:nvSpPr>
         <p:spPr>
           <a:xfrm>
-            <a:off x="1371600" y="3632201"/>
+            <a:off x="1451499" y="2753311"/>
             <a:ext cx="9448800" cy="2656304"/>
           </a:xfrm>
         </p:spPr>
@@ -5793,14 +6770,29 @@
             <p:ph type="title"/>
           </p:nvPr>
         </p:nvSpPr>
-        <p:spPr/>
-        <p:txBody>
-          <a:bodyPr/>
-          <a:lstStyle/>
-          <a:p>
-            <a:r>
-              <a:rPr lang="en-US" dirty="0"/>
-              <a:t>Summary</a:t>
+        <p:spPr>
+          <a:xfrm>
+            <a:off x="152400" y="1198485"/>
+            <a:ext cx="11887200" cy="1653022"/>
+          </a:xfrm>
+        </p:spPr>
+        <p:txBody>
+          <a:bodyPr>
+            <a:normAutofit/>
+          </a:bodyPr>
+          <a:lstStyle/>
+          <a:p>
+            <a:pPr algn="l"/>
+            <a:r>
+              <a:rPr lang="en-US" sz="2000" dirty="0"/>
+              <a:t>Hypothesis: </a:t>
+            </a:r>
+            <a:br>
+              <a:rPr lang="en-US" sz="2000" dirty="0"/>
+            </a:br>
+            <a:r>
+              <a:rPr lang="en-US" sz="2000" dirty="0"/>
+              <a:t>	The majority of traffic and sales come from customers that already 	recognize the brand, and MENU is not reaching out to new customers.</a:t>
             </a:r>
           </a:p>
         </p:txBody>
@@ -5821,7 +6813,12 @@
             <p:ph idx="1"/>
           </p:nvPr>
         </p:nvSpPr>
-        <p:spPr/>
+        <p:spPr>
+          <a:xfrm>
+            <a:off x="685800" y="2982897"/>
+            <a:ext cx="10820400" cy="3235788"/>
+          </a:xfrm>
+        </p:spPr>
         <p:txBody>
           <a:bodyPr/>
           <a:lstStyle/>
@@ -5829,16 +6826,25 @@
             <a:pPr marL="0" indent="0">
               <a:buNone/>
             </a:pPr>
+            <a:endParaRPr lang="en-US" dirty="0"/>
+          </a:p>
+          <a:p>
+            <a:pPr marL="0" indent="0">
+              <a:buNone/>
+            </a:pPr>
             <a:r>
               <a:rPr lang="en-US" dirty="0"/>
-              <a:t>Hypothesis/core message:</a:t>
+              <a:t>1. Market Segmentation: What is our demographic?</a:t>
             </a:r>
           </a:p>
           <a:p>
             <a:pPr marL="0" indent="0">
               <a:buNone/>
             </a:pPr>
-            <a:endParaRPr lang="en-US" dirty="0"/>
+            <a:r>
+              <a:rPr lang="en-US" dirty="0"/>
+              <a:t>2. What variables/factors are associated with e-commerce conversions?</a:t>
+            </a:r>
           </a:p>
           <a:p>
             <a:pPr marL="0" indent="0">
@@ -5846,7 +6852,7 @@
             </a:pPr>
             <a:r>
               <a:rPr lang="en-US" dirty="0"/>
-              <a:t>Questions:</a:t>
+              <a:t>3. What proportion of traffic that comes from organic searches are from users that already know the brand and what proportion comes from generic searches?</a:t>
             </a:r>
           </a:p>
           <a:p>
@@ -5855,43 +6861,7 @@
             </a:pPr>
             <a:r>
               <a:rPr lang="en-US" dirty="0"/>
-              <a:t>1. </a:t>
-            </a:r>
-          </a:p>
-          <a:p>
-            <a:pPr marL="0" indent="0">
-              <a:buNone/>
-            </a:pPr>
-            <a:r>
-              <a:rPr lang="en-US" dirty="0"/>
-              <a:t>2. </a:t>
-            </a:r>
-          </a:p>
-          <a:p>
-            <a:pPr marL="0" indent="0">
-              <a:buNone/>
-            </a:pPr>
-            <a:r>
-              <a:rPr lang="en-US" dirty="0"/>
-              <a:t>3. </a:t>
-            </a:r>
-          </a:p>
-          <a:p>
-            <a:pPr marL="0" indent="0">
-              <a:buNone/>
-            </a:pPr>
-            <a:r>
-              <a:rPr lang="en-US" dirty="0"/>
-              <a:t>4. </a:t>
-            </a:r>
-          </a:p>
-          <a:p>
-            <a:pPr marL="0" indent="0">
-              <a:buNone/>
-            </a:pPr>
-            <a:r>
-              <a:rPr lang="en-US" dirty="0"/>
-              <a:t>Were we able to answer these questions? </a:t>
+              <a:t>4. Does the landing page correlate to actual sales?</a:t>
             </a:r>
           </a:p>
         </p:txBody>
@@ -5926,6 +6896,76 @@
           <a:chExt cx="0" cy="0"/>
         </a:xfrm>
       </p:grpSpPr>
+      <p:sp>
+        <p:nvSpPr>
+          <p:cNvPr id="2" name="Title 1">
+            <a:extLst>
+              <a:ext uri="{FF2B5EF4-FFF2-40B4-BE49-F238E27FC236}">
+                <a16:creationId xmlns:a16="http://schemas.microsoft.com/office/drawing/2014/main" id="{ACFF9422-7FCA-4200-A7C4-9DB0856B5C14}"/>
+              </a:ext>
+            </a:extLst>
+          </p:cNvPr>
+          <p:cNvSpPr>
+            <a:spLocks noGrp="1"/>
+          </p:cNvSpPr>
+          <p:nvPr>
+            <p:ph type="title"/>
+          </p:nvPr>
+        </p:nvSpPr>
+        <p:spPr>
+          <a:xfrm>
+            <a:off x="433137" y="176463"/>
+            <a:ext cx="11073063" cy="1688433"/>
+          </a:xfrm>
+        </p:spPr>
+        <p:txBody>
+          <a:bodyPr>
+            <a:normAutofit/>
+          </a:bodyPr>
+          <a:lstStyle/>
+          <a:p>
+            <a:pPr algn="l"/>
+            <a:r>
+              <a:rPr lang="en-US" sz="3000" dirty="0"/>
+              <a:t>Market Segmentation: What is our demographic?</a:t>
+            </a:r>
+            <a:br>
+              <a:rPr lang="en-US" sz="3000" dirty="0"/>
+            </a:br>
+            <a:endParaRPr lang="en-US" sz="3000" dirty="0"/>
+          </a:p>
+        </p:txBody>
+      </p:sp>
+      <p:sp>
+        <p:nvSpPr>
+          <p:cNvPr id="3" name="Content Placeholder 2">
+            <a:extLst>
+              <a:ext uri="{FF2B5EF4-FFF2-40B4-BE49-F238E27FC236}">
+                <a16:creationId xmlns:a16="http://schemas.microsoft.com/office/drawing/2014/main" id="{756E8008-4951-4493-A9BF-9504B2DB40CD}"/>
+              </a:ext>
+            </a:extLst>
+          </p:cNvPr>
+          <p:cNvSpPr>
+            <a:spLocks noGrp="1"/>
+          </p:cNvSpPr>
+          <p:nvPr>
+            <p:ph idx="1"/>
+          </p:nvPr>
+        </p:nvSpPr>
+        <p:spPr>
+          <a:xfrm>
+            <a:off x="685800" y="2194560"/>
+            <a:ext cx="10820400" cy="4024125"/>
+          </a:xfrm>
+        </p:spPr>
+        <p:txBody>
+          <a:bodyPr/>
+          <a:lstStyle/>
+          <a:p>
+            <a:endParaRPr lang="en-US" dirty="0"/>
+          </a:p>
+        </p:txBody>
+      </p:sp>
     </p:spTree>
     <p:extLst>
       <p:ext uri="{BB962C8B-B14F-4D97-AF65-F5344CB8AC3E}">
@@ -5956,10 +6996,75 @@
           <a:chExt cx="0" cy="0"/>
         </a:xfrm>
       </p:grpSpPr>
+      <p:sp>
+        <p:nvSpPr>
+          <p:cNvPr id="2" name="Title 1">
+            <a:extLst>
+              <a:ext uri="{FF2B5EF4-FFF2-40B4-BE49-F238E27FC236}">
+                <a16:creationId xmlns:a16="http://schemas.microsoft.com/office/drawing/2014/main" id="{B95A570D-2D29-4060-B655-45634E43E6CF}"/>
+              </a:ext>
+            </a:extLst>
+          </p:cNvPr>
+          <p:cNvSpPr>
+            <a:spLocks noGrp="1"/>
+          </p:cNvSpPr>
+          <p:nvPr>
+            <p:ph type="title"/>
+          </p:nvPr>
+        </p:nvSpPr>
+        <p:spPr>
+          <a:xfrm>
+            <a:off x="685800" y="497305"/>
+            <a:ext cx="10820400" cy="1560096"/>
+          </a:xfrm>
+        </p:spPr>
+        <p:txBody>
+          <a:bodyPr>
+            <a:noAutofit/>
+          </a:bodyPr>
+          <a:lstStyle/>
+          <a:p>
+            <a:pPr algn="l"/>
+            <a:r>
+              <a:rPr lang="en-US" sz="3000" dirty="0"/>
+              <a:t>What variables/factors are associated with e-commerce conversions?</a:t>
+            </a:r>
+            <a:br>
+              <a:rPr lang="en-US" sz="3000" dirty="0"/>
+            </a:br>
+            <a:endParaRPr lang="en-US" sz="3000" dirty="0"/>
+          </a:p>
+        </p:txBody>
+      </p:sp>
+      <p:sp>
+        <p:nvSpPr>
+          <p:cNvPr id="3" name="Content Placeholder 2">
+            <a:extLst>
+              <a:ext uri="{FF2B5EF4-FFF2-40B4-BE49-F238E27FC236}">
+                <a16:creationId xmlns:a16="http://schemas.microsoft.com/office/drawing/2014/main" id="{1D5FFD51-683D-4A78-9C9C-8BA0A78ED41F}"/>
+              </a:ext>
+            </a:extLst>
+          </p:cNvPr>
+          <p:cNvSpPr>
+            <a:spLocks noGrp="1"/>
+          </p:cNvSpPr>
+          <p:nvPr>
+            <p:ph idx="1"/>
+          </p:nvPr>
+        </p:nvSpPr>
+        <p:spPr/>
+        <p:txBody>
+          <a:bodyPr/>
+          <a:lstStyle/>
+          <a:p>
+            <a:endParaRPr lang="en-US" dirty="0"/>
+          </a:p>
+        </p:txBody>
+      </p:sp>
     </p:spTree>
     <p:extLst>
       <p:ext uri="{BB962C8B-B14F-4D97-AF65-F5344CB8AC3E}">
-        <p14:creationId xmlns:p14="http://schemas.microsoft.com/office/powerpoint/2010/main" val="610736579"/>
+        <p14:creationId xmlns:p14="http://schemas.microsoft.com/office/powerpoint/2010/main" val="1219446532"/>
       </p:ext>
     </p:extLst>
   </p:cSld>
@@ -5986,10 +7091,80 @@
           <a:chExt cx="0" cy="0"/>
         </a:xfrm>
       </p:grpSpPr>
+      <p:sp>
+        <p:nvSpPr>
+          <p:cNvPr id="2" name="Title 1">
+            <a:extLst>
+              <a:ext uri="{FF2B5EF4-FFF2-40B4-BE49-F238E27FC236}">
+                <a16:creationId xmlns:a16="http://schemas.microsoft.com/office/drawing/2014/main" id="{B95A570D-2D29-4060-B655-45634E43E6CF}"/>
+              </a:ext>
+            </a:extLst>
+          </p:cNvPr>
+          <p:cNvSpPr>
+            <a:spLocks noGrp="1"/>
+          </p:cNvSpPr>
+          <p:nvPr>
+            <p:ph type="title"/>
+          </p:nvPr>
+        </p:nvSpPr>
+        <p:spPr>
+          <a:xfrm>
+            <a:off x="144379" y="375805"/>
+            <a:ext cx="11903242" cy="2037348"/>
+          </a:xfrm>
+        </p:spPr>
+        <p:txBody>
+          <a:bodyPr>
+            <a:noAutofit/>
+          </a:bodyPr>
+          <a:lstStyle/>
+          <a:p>
+            <a:pPr algn="l"/>
+            <a:r>
+              <a:rPr lang="en-US" sz="3000" dirty="0"/>
+              <a:t>What proportion of traffic that comes from organic searches are from users that already know the brand and what proportion comes from generic searches?</a:t>
+            </a:r>
+            <a:br>
+              <a:rPr lang="en-US" sz="3000" dirty="0"/>
+            </a:br>
+            <a:endParaRPr lang="en-US" sz="3000" dirty="0"/>
+          </a:p>
+        </p:txBody>
+      </p:sp>
+      <p:sp>
+        <p:nvSpPr>
+          <p:cNvPr id="3" name="Content Placeholder 2">
+            <a:extLst>
+              <a:ext uri="{FF2B5EF4-FFF2-40B4-BE49-F238E27FC236}">
+                <a16:creationId xmlns:a16="http://schemas.microsoft.com/office/drawing/2014/main" id="{1D5FFD51-683D-4A78-9C9C-8BA0A78ED41F}"/>
+              </a:ext>
+            </a:extLst>
+          </p:cNvPr>
+          <p:cNvSpPr>
+            <a:spLocks noGrp="1"/>
+          </p:cNvSpPr>
+          <p:nvPr>
+            <p:ph idx="1"/>
+          </p:nvPr>
+        </p:nvSpPr>
+        <p:spPr>
+          <a:xfrm>
+            <a:off x="381000" y="2763253"/>
+            <a:ext cx="11538284" cy="3718942"/>
+          </a:xfrm>
+        </p:spPr>
+        <p:txBody>
+          <a:bodyPr/>
+          <a:lstStyle/>
+          <a:p>
+            <a:endParaRPr lang="en-US" dirty="0"/>
+          </a:p>
+        </p:txBody>
+      </p:sp>
     </p:spTree>
     <p:extLst>
       <p:ext uri="{BB962C8B-B14F-4D97-AF65-F5344CB8AC3E}">
-        <p14:creationId xmlns:p14="http://schemas.microsoft.com/office/powerpoint/2010/main" val="4162539309"/>
+        <p14:creationId xmlns:p14="http://schemas.microsoft.com/office/powerpoint/2010/main" val="2030859027"/>
       </p:ext>
     </p:extLst>
   </p:cSld>
@@ -6016,10 +7191,83 @@
           <a:chExt cx="0" cy="0"/>
         </a:xfrm>
       </p:grpSpPr>
+      <p:sp>
+        <p:nvSpPr>
+          <p:cNvPr id="2" name="Title 1">
+            <a:extLst>
+              <a:ext uri="{FF2B5EF4-FFF2-40B4-BE49-F238E27FC236}">
+                <a16:creationId xmlns:a16="http://schemas.microsoft.com/office/drawing/2014/main" id="{B95A570D-2D29-4060-B655-45634E43E6CF}"/>
+              </a:ext>
+            </a:extLst>
+          </p:cNvPr>
+          <p:cNvSpPr>
+            <a:spLocks noGrp="1"/>
+          </p:cNvSpPr>
+          <p:nvPr>
+            <p:ph type="title"/>
+          </p:nvPr>
+        </p:nvSpPr>
+        <p:spPr>
+          <a:xfrm>
+            <a:off x="288758" y="969363"/>
+            <a:ext cx="11903242" cy="1436953"/>
+          </a:xfrm>
+        </p:spPr>
+        <p:txBody>
+          <a:bodyPr>
+            <a:noAutofit/>
+          </a:bodyPr>
+          <a:lstStyle/>
+          <a:p>
+            <a:pPr algn="l"/>
+            <a:r>
+              <a:rPr lang="en-US" sz="3200" dirty="0"/>
+              <a:t>Does the landing page correlate to actual sales?</a:t>
+            </a:r>
+            <a:br>
+              <a:rPr lang="en-US" sz="3200" dirty="0"/>
+            </a:br>
+            <a:endParaRPr lang="en-US" sz="3000" dirty="0"/>
+          </a:p>
+        </p:txBody>
+      </p:sp>
+      <p:sp>
+        <p:nvSpPr>
+          <p:cNvPr id="3" name="Content Placeholder 2">
+            <a:extLst>
+              <a:ext uri="{FF2B5EF4-FFF2-40B4-BE49-F238E27FC236}">
+                <a16:creationId xmlns:a16="http://schemas.microsoft.com/office/drawing/2014/main" id="{1D5FFD51-683D-4A78-9C9C-8BA0A78ED41F}"/>
+              </a:ext>
+            </a:extLst>
+          </p:cNvPr>
+          <p:cNvSpPr>
+            <a:spLocks noGrp="1"/>
+          </p:cNvSpPr>
+          <p:nvPr>
+            <p:ph idx="1"/>
+          </p:nvPr>
+        </p:nvSpPr>
+        <p:spPr>
+          <a:xfrm>
+            <a:off x="381000" y="2406316"/>
+            <a:ext cx="11538284" cy="4075879"/>
+          </a:xfrm>
+        </p:spPr>
+        <p:txBody>
+          <a:bodyPr/>
+          <a:lstStyle/>
+          <a:p>
+            <a:pPr marL="0" indent="0">
+              <a:buNone/>
+            </a:pPr>
+            <a:endParaRPr lang="en-US" dirty="0"/>
+          </a:p>
+        </p:txBody>
+      </p:sp>
     </p:spTree>
     <p:extLst>
       <p:ext uri="{BB962C8B-B14F-4D97-AF65-F5344CB8AC3E}">
-        <p14:creationId xmlns:p14="http://schemas.microsoft.com/office/powerpoint/2010/main" val="547030003"/>
+        <p14:creationId xmlns:p14="http://schemas.microsoft.com/office/powerpoint/2010/main" val="2374983103"/>
       </p:ext>
     </p:extLst>
   </p:cSld>
@@ -6046,10 +7294,79 @@
           <a:chExt cx="0" cy="0"/>
         </a:xfrm>
       </p:grpSpPr>
+      <p:sp>
+        <p:nvSpPr>
+          <p:cNvPr id="2" name="Title 1">
+            <a:extLst>
+              <a:ext uri="{FF2B5EF4-FFF2-40B4-BE49-F238E27FC236}">
+                <a16:creationId xmlns:a16="http://schemas.microsoft.com/office/drawing/2014/main" id="{B95A570D-2D29-4060-B655-45634E43E6CF}"/>
+              </a:ext>
+            </a:extLst>
+          </p:cNvPr>
+          <p:cNvSpPr>
+            <a:spLocks noGrp="1"/>
+          </p:cNvSpPr>
+          <p:nvPr>
+            <p:ph type="title"/>
+          </p:nvPr>
+        </p:nvSpPr>
+        <p:spPr>
+          <a:xfrm>
+            <a:off x="288758" y="969363"/>
+            <a:ext cx="11903242" cy="1436953"/>
+          </a:xfrm>
+        </p:spPr>
+        <p:txBody>
+          <a:bodyPr>
+            <a:noAutofit/>
+          </a:bodyPr>
+          <a:lstStyle/>
+          <a:p>
+            <a:pPr algn="l"/>
+            <a:endParaRPr lang="en-US" sz="3000" dirty="0"/>
+          </a:p>
+        </p:txBody>
+      </p:sp>
+      <p:sp>
+        <p:nvSpPr>
+          <p:cNvPr id="3" name="Content Placeholder 2">
+            <a:extLst>
+              <a:ext uri="{FF2B5EF4-FFF2-40B4-BE49-F238E27FC236}">
+                <a16:creationId xmlns:a16="http://schemas.microsoft.com/office/drawing/2014/main" id="{1D5FFD51-683D-4A78-9C9C-8BA0A78ED41F}"/>
+              </a:ext>
+            </a:extLst>
+          </p:cNvPr>
+          <p:cNvSpPr>
+            <a:spLocks noGrp="1"/>
+          </p:cNvSpPr>
+          <p:nvPr>
+            <p:ph idx="1"/>
+          </p:nvPr>
+        </p:nvSpPr>
+        <p:spPr>
+          <a:xfrm>
+            <a:off x="381000" y="2406316"/>
+            <a:ext cx="11538284" cy="4075879"/>
+          </a:xfrm>
+        </p:spPr>
+        <p:txBody>
+          <a:bodyPr/>
+          <a:lstStyle/>
+          <a:p>
+            <a:pPr marL="0" indent="0">
+              <a:buNone/>
+            </a:pPr>
+            <a:r>
+              <a:rPr lang="en-US" dirty="0"/>
+              <a:t>Did you find what you expected to find? If not, why not? What inferences or general conclusions can you draw from your analysis?</a:t>
+            </a:r>
+          </a:p>
+        </p:txBody>
+      </p:sp>
     </p:spTree>
     <p:extLst>
       <p:ext uri="{BB962C8B-B14F-4D97-AF65-F5344CB8AC3E}">
-        <p14:creationId xmlns:p14="http://schemas.microsoft.com/office/powerpoint/2010/main" val="1064542297"/>
+        <p14:creationId xmlns:p14="http://schemas.microsoft.com/office/powerpoint/2010/main" val="285531411"/>
       </p:ext>
     </p:extLst>
   </p:cSld>
@@ -6076,10 +7393,103 @@
           <a:chExt cx="0" cy="0"/>
         </a:xfrm>
       </p:grpSpPr>
+      <p:sp>
+        <p:nvSpPr>
+          <p:cNvPr id="2" name="Title 1">
+            <a:extLst>
+              <a:ext uri="{FF2B5EF4-FFF2-40B4-BE49-F238E27FC236}">
+                <a16:creationId xmlns:a16="http://schemas.microsoft.com/office/drawing/2014/main" id="{B95A570D-2D29-4060-B655-45634E43E6CF}"/>
+              </a:ext>
+            </a:extLst>
+          </p:cNvPr>
+          <p:cNvSpPr>
+            <a:spLocks noGrp="1"/>
+          </p:cNvSpPr>
+          <p:nvPr>
+            <p:ph type="title"/>
+          </p:nvPr>
+        </p:nvSpPr>
+        <p:spPr>
+          <a:xfrm>
+            <a:off x="288758" y="969363"/>
+            <a:ext cx="11903242" cy="1436953"/>
+          </a:xfrm>
+        </p:spPr>
+        <p:txBody>
+          <a:bodyPr>
+            <a:noAutofit/>
+          </a:bodyPr>
+          <a:lstStyle/>
+          <a:p>
+            <a:pPr algn="l"/>
+            <a:endParaRPr lang="en-US" sz="3000" dirty="0"/>
+          </a:p>
+        </p:txBody>
+      </p:sp>
+      <p:sp>
+        <p:nvSpPr>
+          <p:cNvPr id="3" name="Content Placeholder 2">
+            <a:extLst>
+              <a:ext uri="{FF2B5EF4-FFF2-40B4-BE49-F238E27FC236}">
+                <a16:creationId xmlns:a16="http://schemas.microsoft.com/office/drawing/2014/main" id="{1D5FFD51-683D-4A78-9C9C-8BA0A78ED41F}"/>
+              </a:ext>
+            </a:extLst>
+          </p:cNvPr>
+          <p:cNvSpPr>
+            <a:spLocks noGrp="1"/>
+          </p:cNvSpPr>
+          <p:nvPr>
+            <p:ph idx="1"/>
+          </p:nvPr>
+        </p:nvSpPr>
+        <p:spPr>
+          <a:xfrm>
+            <a:off x="381000" y="2406316"/>
+            <a:ext cx="11538284" cy="4075879"/>
+          </a:xfrm>
+        </p:spPr>
+        <p:txBody>
+          <a:bodyPr/>
+          <a:lstStyle/>
+          <a:p>
+            <a:pPr marL="0" indent="0">
+              <a:buNone/>
+            </a:pPr>
+            <a:r>
+              <a:rPr lang="en-US" dirty="0"/>
+              <a:t>* Post Mortem</a:t>
+            </a:r>
+          </a:p>
+          <a:p>
+            <a:pPr marL="0" indent="0">
+              <a:buNone/>
+            </a:pPr>
+            <a:endParaRPr lang="en-US" dirty="0"/>
+          </a:p>
+          <a:p>
+            <a:pPr marL="0" indent="0">
+              <a:buNone/>
+            </a:pPr>
+            <a:r>
+              <a:rPr lang="en-US" dirty="0"/>
+              <a:t>  * Discuss any difficulties that arose, and how you dealt with them</a:t>
+            </a:r>
+          </a:p>
+          <a:p>
+            <a:pPr marL="0" indent="0">
+              <a:buNone/>
+            </a:pPr>
+            <a:r>
+              <a:rPr lang="en-US" dirty="0"/>
+              <a:t>  * Discuss any additional questions that came up, but which you didn't have time to answer: What would you research next, if you had two more weeks?</a:t>
+            </a:r>
+          </a:p>
+        </p:txBody>
+      </p:sp>
     </p:spTree>
     <p:extLst>
       <p:ext uri="{BB962C8B-B14F-4D97-AF65-F5344CB8AC3E}">
-        <p14:creationId xmlns:p14="http://schemas.microsoft.com/office/powerpoint/2010/main" val="2186995641"/>
+        <p14:creationId xmlns:p14="http://schemas.microsoft.com/office/powerpoint/2010/main" val="796777675"/>
       </p:ext>
     </p:extLst>
   </p:cSld>
@@ -6357,4 +7767,299 @@
     </a:ext>
   </a:extLst>
 </a:theme>
+</file>
+
+<file path=ppt/theme/theme2.xml><?xml version="1.0" encoding="utf-8"?>
+<a:theme xmlns:a="http://schemas.openxmlformats.org/drawingml/2006/main" name="Office Theme">
+  <a:themeElements>
+    <a:clrScheme name="Office">
+      <a:dk1>
+        <a:sysClr val="windowText" lastClr="000000"/>
+      </a:dk1>
+      <a:lt1>
+        <a:sysClr val="window" lastClr="FFFFFF"/>
+      </a:lt1>
+      <a:dk2>
+        <a:srgbClr val="44546A"/>
+      </a:dk2>
+      <a:lt2>
+        <a:srgbClr val="E7E6E6"/>
+      </a:lt2>
+      <a:accent1>
+        <a:srgbClr val="4472C4"/>
+      </a:accent1>
+      <a:accent2>
+        <a:srgbClr val="ED7D31"/>
+      </a:accent2>
+      <a:accent3>
+        <a:srgbClr val="A5A5A5"/>
+      </a:accent3>
+      <a:accent4>
+        <a:srgbClr val="FFC000"/>
+      </a:accent4>
+      <a:accent5>
+        <a:srgbClr val="5B9BD5"/>
+      </a:accent5>
+      <a:accent6>
+        <a:srgbClr val="70AD47"/>
+      </a:accent6>
+      <a:hlink>
+        <a:srgbClr val="0563C1"/>
+      </a:hlink>
+      <a:folHlink>
+        <a:srgbClr val="954F72"/>
+      </a:folHlink>
+    </a:clrScheme>
+    <a:fontScheme name="Office">
+      <a:majorFont>
+        <a:latin typeface="Calibri Light" panose="020F0302020204030204"/>
+        <a:ea typeface=""/>
+        <a:cs typeface=""/>
+        <a:font script="Jpan" typeface="游ゴシック Light"/>
+        <a:font script="Hang" typeface="맑은 고딕"/>
+        <a:font script="Hans" typeface="等线 Light"/>
+        <a:font script="Hant" typeface="新細明體"/>
+        <a:font script="Arab" typeface="Times New Roman"/>
+        <a:font script="Hebr" typeface="Times New Roman"/>
+        <a:font script="Thai" typeface="Angsana New"/>
+        <a:font script="Ethi" typeface="Nyala"/>
+        <a:font script="Beng" typeface="Vrinda"/>
+        <a:font script="Gujr" typeface="Shruti"/>
+        <a:font script="Khmr" typeface="MoolBoran"/>
+        <a:font script="Knda" typeface="Tunga"/>
+        <a:font script="Guru" typeface="Raavi"/>
+        <a:font script="Cans" typeface="Euphemia"/>
+        <a:font script="Cher" typeface="Plantagenet Cherokee"/>
+        <a:font script="Yiii" typeface="Microsoft Yi Baiti"/>
+        <a:font script="Tibt" typeface="Microsoft Himalaya"/>
+        <a:font script="Thaa" typeface="MV Boli"/>
+        <a:font script="Deva" typeface="Mangal"/>
+        <a:font script="Telu" typeface="Gautami"/>
+        <a:font script="Taml" typeface="Latha"/>
+        <a:font script="Syrc" typeface="Estrangelo Edessa"/>
+        <a:font script="Orya" typeface="Kalinga"/>
+        <a:font script="Mlym" typeface="Kartika"/>
+        <a:font script="Laoo" typeface="DokChampa"/>
+        <a:font script="Sinh" typeface="Iskoola Pota"/>
+        <a:font script="Mong" typeface="Mongolian Baiti"/>
+        <a:font script="Viet" typeface="Times New Roman"/>
+        <a:font script="Uigh" typeface="Microsoft Uighur"/>
+        <a:font script="Geor" typeface="Sylfaen"/>
+        <a:font script="Armn" typeface="Arial"/>
+        <a:font script="Bugi" typeface="Leelawadee UI"/>
+        <a:font script="Bopo" typeface="Microsoft JhengHei"/>
+        <a:font script="Java" typeface="Javanese Text"/>
+        <a:font script="Lisu" typeface="Segoe UI"/>
+        <a:font script="Mymr" typeface="Myanmar Text"/>
+        <a:font script="Nkoo" typeface="Ebrima"/>
+        <a:font script="Olck" typeface="Nirmala UI"/>
+        <a:font script="Osma" typeface="Ebrima"/>
+        <a:font script="Phag" typeface="Phagspa"/>
+        <a:font script="Syrn" typeface="Estrangelo Edessa"/>
+        <a:font script="Syrj" typeface="Estrangelo Edessa"/>
+        <a:font script="Syre" typeface="Estrangelo Edessa"/>
+        <a:font script="Sora" typeface="Nirmala UI"/>
+        <a:font script="Tale" typeface="Microsoft Tai Le"/>
+        <a:font script="Talu" typeface="Microsoft New Tai Lue"/>
+        <a:font script="Tfng" typeface="Ebrima"/>
+      </a:majorFont>
+      <a:minorFont>
+        <a:latin typeface="Calibri" panose="020F0502020204030204"/>
+        <a:ea typeface=""/>
+        <a:cs typeface=""/>
+        <a:font script="Jpan" typeface="游ゴシック"/>
+        <a:font script="Hang" typeface="맑은 고딕"/>
+        <a:font script="Hans" typeface="等线"/>
+        <a:font script="Hant" typeface="新細明體"/>
+        <a:font script="Arab" typeface="Arial"/>
+        <a:font script="Hebr" typeface="Arial"/>
+        <a:font script="Thai" typeface="Cordia New"/>
+        <a:font script="Ethi" typeface="Nyala"/>
+        <a:font script="Beng" typeface="Vrinda"/>
+        <a:font script="Gujr" typeface="Shruti"/>
+        <a:font script="Khmr" typeface="DaunPenh"/>
+        <a:font script="Knda" typeface="Tunga"/>
+        <a:font script="Guru" typeface="Raavi"/>
+        <a:font script="Cans" typeface="Euphemia"/>
+        <a:font script="Cher" typeface="Plantagenet Cherokee"/>
+        <a:font script="Yiii" typeface="Microsoft Yi Baiti"/>
+        <a:font script="Tibt" typeface="Microsoft Himalaya"/>
+        <a:font script="Thaa" typeface="MV Boli"/>
+        <a:font script="Deva" typeface="Mangal"/>
+        <a:font script="Telu" typeface="Gautami"/>
+        <a:font script="Taml" typeface="Latha"/>
+        <a:font script="Syrc" typeface="Estrangelo Edessa"/>
+        <a:font script="Orya" typeface="Kalinga"/>
+        <a:font script="Mlym" typeface="Kartika"/>
+        <a:font script="Laoo" typeface="DokChampa"/>
+        <a:font script="Sinh" typeface="Iskoola Pota"/>
+        <a:font script="Mong" typeface="Mongolian Baiti"/>
+        <a:font script="Viet" typeface="Arial"/>
+        <a:font script="Uigh" typeface="Microsoft Uighur"/>
+        <a:font script="Geor" typeface="Sylfaen"/>
+        <a:font script="Armn" typeface="Arial"/>
+        <a:font script="Bugi" typeface="Leelawadee UI"/>
+        <a:font script="Bopo" typeface="Microsoft JhengHei"/>
+        <a:font script="Java" typeface="Javanese Text"/>
+        <a:font script="Lisu" typeface="Segoe UI"/>
+        <a:font script="Mymr" typeface="Myanmar Text"/>
+        <a:font script="Nkoo" typeface="Ebrima"/>
+        <a:font script="Olck" typeface="Nirmala UI"/>
+        <a:font script="Osma" typeface="Ebrima"/>
+        <a:font script="Phag" typeface="Phagspa"/>
+        <a:font script="Syrn" typeface="Estrangelo Edessa"/>
+        <a:font script="Syrj" typeface="Estrangelo Edessa"/>
+        <a:font script="Syre" typeface="Estrangelo Edessa"/>
+        <a:font script="Sora" typeface="Nirmala UI"/>
+        <a:font script="Tale" typeface="Microsoft Tai Le"/>
+        <a:font script="Talu" typeface="Microsoft New Tai Lue"/>
+        <a:font script="Tfng" typeface="Ebrima"/>
+      </a:minorFont>
+    </a:fontScheme>
+    <a:fmtScheme name="Office">
+      <a:fillStyleLst>
+        <a:solidFill>
+          <a:schemeClr val="phClr"/>
+        </a:solidFill>
+        <a:gradFill rotWithShape="1">
+          <a:gsLst>
+            <a:gs pos="0">
+              <a:schemeClr val="phClr">
+                <a:lumMod val="110000"/>
+                <a:satMod val="105000"/>
+                <a:tint val="67000"/>
+              </a:schemeClr>
+            </a:gs>
+            <a:gs pos="50000">
+              <a:schemeClr val="phClr">
+                <a:lumMod val="105000"/>
+                <a:satMod val="103000"/>
+                <a:tint val="73000"/>
+              </a:schemeClr>
+            </a:gs>
+            <a:gs pos="100000">
+              <a:schemeClr val="phClr">
+                <a:lumMod val="105000"/>
+                <a:satMod val="109000"/>
+                <a:tint val="81000"/>
+              </a:schemeClr>
+            </a:gs>
+          </a:gsLst>
+          <a:lin ang="5400000" scaled="0"/>
+        </a:gradFill>
+        <a:gradFill rotWithShape="1">
+          <a:gsLst>
+            <a:gs pos="0">
+              <a:schemeClr val="phClr">
+                <a:satMod val="103000"/>
+                <a:lumMod val="102000"/>
+                <a:tint val="94000"/>
+              </a:schemeClr>
+            </a:gs>
+            <a:gs pos="50000">
+              <a:schemeClr val="phClr">
+                <a:satMod val="110000"/>
+                <a:lumMod val="100000"/>
+                <a:shade val="100000"/>
+              </a:schemeClr>
+            </a:gs>
+            <a:gs pos="100000">
+              <a:schemeClr val="phClr">
+                <a:lumMod val="99000"/>
+                <a:satMod val="120000"/>
+                <a:shade val="78000"/>
+              </a:schemeClr>
+            </a:gs>
+          </a:gsLst>
+          <a:lin ang="5400000" scaled="0"/>
+        </a:gradFill>
+      </a:fillStyleLst>
+      <a:lnStyleLst>
+        <a:ln w="6350" cap="flat" cmpd="sng" algn="ctr">
+          <a:solidFill>
+            <a:schemeClr val="phClr"/>
+          </a:solidFill>
+          <a:prstDash val="solid"/>
+          <a:miter lim="800000"/>
+        </a:ln>
+        <a:ln w="12700" cap="flat" cmpd="sng" algn="ctr">
+          <a:solidFill>
+            <a:schemeClr val="phClr"/>
+          </a:solidFill>
+          <a:prstDash val="solid"/>
+          <a:miter lim="800000"/>
+        </a:ln>
+        <a:ln w="19050" cap="flat" cmpd="sng" algn="ctr">
+          <a:solidFill>
+            <a:schemeClr val="phClr"/>
+          </a:solidFill>
+          <a:prstDash val="solid"/>
+          <a:miter lim="800000"/>
+        </a:ln>
+      </a:lnStyleLst>
+      <a:effectStyleLst>
+        <a:effectStyle>
+          <a:effectLst/>
+        </a:effectStyle>
+        <a:effectStyle>
+          <a:effectLst/>
+        </a:effectStyle>
+        <a:effectStyle>
+          <a:effectLst>
+            <a:outerShdw blurRad="57150" dist="19050" dir="5400000" algn="ctr" rotWithShape="0">
+              <a:srgbClr val="000000">
+                <a:alpha val="63000"/>
+              </a:srgbClr>
+            </a:outerShdw>
+          </a:effectLst>
+        </a:effectStyle>
+      </a:effectStyleLst>
+      <a:bgFillStyleLst>
+        <a:solidFill>
+          <a:schemeClr val="phClr"/>
+        </a:solidFill>
+        <a:solidFill>
+          <a:schemeClr val="phClr">
+            <a:tint val="95000"/>
+            <a:satMod val="170000"/>
+          </a:schemeClr>
+        </a:solidFill>
+        <a:gradFill rotWithShape="1">
+          <a:gsLst>
+            <a:gs pos="0">
+              <a:schemeClr val="phClr">
+                <a:tint val="93000"/>
+                <a:satMod val="150000"/>
+                <a:shade val="98000"/>
+                <a:lumMod val="102000"/>
+              </a:schemeClr>
+            </a:gs>
+            <a:gs pos="50000">
+              <a:schemeClr val="phClr">
+                <a:tint val="98000"/>
+                <a:satMod val="130000"/>
+                <a:shade val="90000"/>
+                <a:lumMod val="103000"/>
+              </a:schemeClr>
+            </a:gs>
+            <a:gs pos="100000">
+              <a:schemeClr val="phClr">
+                <a:shade val="63000"/>
+                <a:satMod val="120000"/>
+              </a:schemeClr>
+            </a:gs>
+          </a:gsLst>
+          <a:lin ang="5400000" scaled="0"/>
+        </a:gradFill>
+      </a:bgFillStyleLst>
+    </a:fmtScheme>
+  </a:themeElements>
+  <a:objectDefaults/>
+  <a:extraClrSchemeLst/>
+  <a:extLst>
+    <a:ext uri="{05A4C25C-085E-4340-85A3-A5531E510DB2}">
+      <thm15:themeFamily xmlns:thm15="http://schemas.microsoft.com/office/thememl/2012/main" name="Office Theme" id="{62F939B6-93AF-4DB8-9C6B-D6C7DFDC589F}" vid="{4A3C46E8-61CC-4603-A589-7422A47A8E4A}"/>
+    </a:ext>
+  </a:extLst>
+</a:theme>
 </file>
--- a/Jaguars_Project_PPT.pptx
+++ b/Jaguars_Project_PPT.pptx
@@ -13856,6 +13856,16 @@
               <a:rPr lang="en-US" sz="2000" dirty="0"/>
               <a:t>: If the majority of current search queries are not completed by customers that are aware of Menu Design Shop and its product line, then new customers are organically finding MSD through search engines.</a:t>
             </a:r>
+            <a:br>
+              <a:rPr lang="en-US" sz="2000" dirty="0"/>
+            </a:br>
+            <a:br>
+              <a:rPr lang="en-US" sz="2000" dirty="0"/>
+            </a:br>
+            <a:r>
+              <a:rPr lang="en-US" sz="2000" dirty="0"/>
+              <a:t>P-Value is 3.9855351096551076e-13</a:t>
+            </a:r>
           </a:p>
         </p:txBody>
       </p:sp>

--- a/Jaguars_Project_PPT.pptx
+++ b/Jaguars_Project_PPT.pptx
@@ -13707,12 +13707,50 @@
           <a:chExt cx="0" cy="0"/>
         </a:xfrm>
       </p:grpSpPr>
+      <p:sp>
+        <p:nvSpPr>
+          <p:cNvPr id="4" name="Title 3">
+            <a:extLst>
+              <a:ext uri="{FF2B5EF4-FFF2-40B4-BE49-F238E27FC236}">
+                <a16:creationId xmlns:a16="http://schemas.microsoft.com/office/drawing/2014/main" id="{148A3B40-6D6F-4049-8349-DBAA937463E9}"/>
+              </a:ext>
+            </a:extLst>
+          </p:cNvPr>
+          <p:cNvSpPr>
+            <a:spLocks noGrp="1"/>
+          </p:cNvSpPr>
+          <p:nvPr>
+            <p:ph type="title"/>
+          </p:nvPr>
+        </p:nvSpPr>
+        <p:spPr>
+          <a:xfrm>
+            <a:off x="783695" y="0"/>
+            <a:ext cx="9799674" cy="1293028"/>
+          </a:xfrm>
+        </p:spPr>
+        <p:txBody>
+          <a:bodyPr/>
+          <a:lstStyle/>
+          <a:p>
+            <a:pPr algn="ctr"/>
+            <a:r>
+              <a:rPr lang="en-US" dirty="0">
+                <a:solidFill>
+                  <a:schemeClr val="bg1"/>
+                </a:solidFill>
+              </a:rPr>
+              <a:t>top searches by category</a:t>
+            </a:r>
+          </a:p>
+        </p:txBody>
+      </p:sp>
       <p:pic>
         <p:nvPicPr>
-          <p:cNvPr id="8" name="Picture 7">
+          <p:cNvPr id="2" name="Picture 1">
             <a:extLst>
               <a:ext uri="{FF2B5EF4-FFF2-40B4-BE49-F238E27FC236}">
-                <a16:creationId xmlns:a16="http://schemas.microsoft.com/office/drawing/2014/main" id="{8129D636-9D93-4F2D-8659-A031E058A2C3}"/>
+                <a16:creationId xmlns:a16="http://schemas.microsoft.com/office/drawing/2014/main" id="{0FF322A6-3D47-457B-898C-2A92678E2C5C}"/>
               </a:ext>
             </a:extLst>
           </p:cNvPr>
@@ -13729,52 +13767,14 @@
         </p:blipFill>
         <p:spPr>
           <a:xfrm>
-            <a:off x="0" y="-2885"/>
-            <a:ext cx="12269037" cy="6860885"/>
+            <a:off x="707571" y="0"/>
+            <a:ext cx="10776857" cy="6858000"/>
           </a:xfrm>
           <a:prstGeom prst="rect">
             <a:avLst/>
           </a:prstGeom>
         </p:spPr>
       </p:pic>
-      <p:sp>
-        <p:nvSpPr>
-          <p:cNvPr id="4" name="Title 3">
-            <a:extLst>
-              <a:ext uri="{FF2B5EF4-FFF2-40B4-BE49-F238E27FC236}">
-                <a16:creationId xmlns:a16="http://schemas.microsoft.com/office/drawing/2014/main" id="{148A3B40-6D6F-4049-8349-DBAA937463E9}"/>
-              </a:ext>
-            </a:extLst>
-          </p:cNvPr>
-          <p:cNvSpPr>
-            <a:spLocks noGrp="1"/>
-          </p:cNvSpPr>
-          <p:nvPr>
-            <p:ph type="title"/>
-          </p:nvPr>
-        </p:nvSpPr>
-        <p:spPr>
-          <a:xfrm>
-            <a:off x="783695" y="0"/>
-            <a:ext cx="9799674" cy="1293028"/>
-          </a:xfrm>
-        </p:spPr>
-        <p:txBody>
-          <a:bodyPr/>
-          <a:lstStyle/>
-          <a:p>
-            <a:pPr algn="ctr"/>
-            <a:r>
-              <a:rPr lang="en-US" dirty="0">
-                <a:solidFill>
-                  <a:schemeClr val="bg1"/>
-                </a:solidFill>
-              </a:rPr>
-              <a:t>top searches by category</a:t>
-            </a:r>
-          </a:p>
-        </p:txBody>
-      </p:sp>
     </p:spTree>
     <p:extLst>
       <p:ext uri="{BB962C8B-B14F-4D97-AF65-F5344CB8AC3E}">
@@ -14020,10 +14020,10 @@
       </p:grpSpPr>
       <p:pic>
         <p:nvPicPr>
-          <p:cNvPr id="5" name="Picture 4">
+          <p:cNvPr id="3" name="Picture 2">
             <a:extLst>
               <a:ext uri="{FF2B5EF4-FFF2-40B4-BE49-F238E27FC236}">
-                <a16:creationId xmlns:a16="http://schemas.microsoft.com/office/drawing/2014/main" id="{55754805-8E0A-4CDC-8800-E03CEEA5AAC4}"/>
+                <a16:creationId xmlns:a16="http://schemas.microsoft.com/office/drawing/2014/main" id="{D6EFCE1A-67D5-47A1-9506-91D18DF5C71A}"/>
               </a:ext>
             </a:extLst>
           </p:cNvPr>
@@ -14040,8 +14040,8 @@
         </p:blipFill>
         <p:spPr>
           <a:xfrm>
-            <a:off x="0" y="0"/>
-            <a:ext cx="12192000" cy="6858000"/>
+            <a:off x="1809750" y="0"/>
+            <a:ext cx="8572500" cy="6858000"/>
           </a:xfrm>
           <a:prstGeom prst="rect">
             <a:avLst/>
